--- a/智能合约编写入门.pptx
+++ b/智能合约编写入门.pptx
@@ -7,6 +7,8 @@
   <p:sldIdLst>
     <p:sldId id="256" r:id="rId3"/>
     <p:sldId id="257" r:id="rId4"/>
+    <p:sldId id="258" r:id="rId5"/>
+    <p:sldId id="259" r:id="rId6"/>
   </p:sldIdLst>
   <p:sldSz cx="12192000" cy="6858000"/>
   <p:notesSz cx="6858000" cy="9144000"/>
@@ -2998,7 +3000,12 @@
         <p:txBody>
           <a:bodyPr/>
           <a:p>
-            <a:endParaRPr lang="en-US"/>
+            <a:pPr algn="ctr"/>
+            <a:r>
+              <a:rPr lang="x-none" altLang="en-US"/>
+              <a:t>smart contract</a:t>
+            </a:r>
+            <a:endParaRPr lang="x-none" altLang="en-US"/>
           </a:p>
         </p:txBody>
       </p:sp>
@@ -3012,10 +3019,1131 @@
             <p:ph idx="1"/>
           </p:nvPr>
         </p:nvSpPr>
+        <p:spPr>
+          <a:xfrm>
+            <a:off x="838200" y="1826260"/>
+            <a:ext cx="5101590" cy="4351655"/>
+          </a:xfrm>
+        </p:spPr>
+        <p:txBody>
+          <a:bodyPr/>
+          <a:p>
+            <a:endParaRPr lang="x-none" altLang="en-US"/>
+          </a:p>
+          <a:p>
+            <a:endParaRPr lang="x-none" altLang="en-US"/>
+          </a:p>
+          <a:p>
+            <a:endParaRPr lang="x-none" altLang="en-US"/>
+          </a:p>
+          <a:p>
+            <a:r>
+              <a:rPr lang="x-none" altLang="en-US"/>
+              <a:t>Bitcoin script</a:t>
+            </a:r>
+            <a:r>
+              <a:rPr lang="en-US"/>
+              <a:t> </a:t>
+            </a:r>
+            <a:r>
+              <a:rPr lang="x-none" altLang="en-US"/>
+              <a:t>&amp;&amp;</a:t>
+            </a:r>
+            <a:r>
+              <a:rPr lang="x-none" altLang="en-US"/>
+              <a:t> smart contract</a:t>
+            </a:r>
+            <a:endParaRPr lang="x-none" altLang="en-US"/>
+          </a:p>
+          <a:p>
+            <a:pPr lvl="1"/>
+            <a:endParaRPr lang="en-US"/>
+          </a:p>
+        </p:txBody>
+      </p:sp>
+      <p:sp>
+        <p:nvSpPr>
+          <p:cNvPr id="4" name="Content Placeholder 2"/>
+          <p:cNvSpPr>
+            <a:spLocks noGrp="1"/>
+          </p:cNvSpPr>
+          <p:nvPr/>
+        </p:nvSpPr>
+        <p:spPr>
+          <a:xfrm>
+            <a:off x="6436995" y="1943100"/>
+            <a:ext cx="5101590" cy="4351655"/>
+          </a:xfrm>
+          <a:prstGeom prst="rect">
+            <a:avLst/>
+          </a:prstGeom>
+        </p:spPr>
+        <p:txBody>
+          <a:bodyPr vert="horz" lIns="91440" tIns="45720" rIns="91440" bIns="45720" rtlCol="0">
+            <a:normAutofit/>
+          </a:bodyPr>
+          <a:lstStyle>
+            <a:lvl1pPr marL="228600" indent="-228600" algn="l" defTabSz="914400" rtl="0" eaLnBrk="1" latinLnBrk="0" hangingPunct="1">
+              <a:lnSpc>
+                <a:spcPct val="90000"/>
+              </a:lnSpc>
+              <a:spcBef>
+                <a:spcPts val="1000"/>
+              </a:spcBef>
+              <a:buFont typeface="Arial" panose="02080604020202020204" charset="0"/>
+              <a:buChar char="•"/>
+              <a:defRPr sz="2800" kern="1200">
+                <a:solidFill>
+                  <a:schemeClr val="tx1"/>
+                </a:solidFill>
+                <a:latin typeface="+mn-lt"/>
+                <a:ea typeface="+mn-ea"/>
+                <a:cs typeface="+mn-cs"/>
+              </a:defRPr>
+            </a:lvl1pPr>
+            <a:lvl2pPr marL="685800" indent="-228600" algn="l" defTabSz="914400" rtl="0" eaLnBrk="1" latinLnBrk="0" hangingPunct="1">
+              <a:lnSpc>
+                <a:spcPct val="90000"/>
+              </a:lnSpc>
+              <a:spcBef>
+                <a:spcPts val="500"/>
+              </a:spcBef>
+              <a:buFont typeface="Arial" panose="02080604020202020204" charset="0"/>
+              <a:buChar char="•"/>
+              <a:defRPr sz="2400" kern="1200">
+                <a:solidFill>
+                  <a:schemeClr val="tx1"/>
+                </a:solidFill>
+                <a:latin typeface="+mn-lt"/>
+                <a:ea typeface="+mn-ea"/>
+                <a:cs typeface="+mn-cs"/>
+              </a:defRPr>
+            </a:lvl2pPr>
+            <a:lvl3pPr marL="1143000" indent="-228600" algn="l" defTabSz="914400" rtl="0" eaLnBrk="1" latinLnBrk="0" hangingPunct="1">
+              <a:lnSpc>
+                <a:spcPct val="90000"/>
+              </a:lnSpc>
+              <a:spcBef>
+                <a:spcPts val="500"/>
+              </a:spcBef>
+              <a:buFont typeface="Arial" panose="02080604020202020204" charset="0"/>
+              <a:buChar char="•"/>
+              <a:defRPr sz="2000" kern="1200">
+                <a:solidFill>
+                  <a:schemeClr val="tx1"/>
+                </a:solidFill>
+                <a:latin typeface="+mn-lt"/>
+                <a:ea typeface="+mn-ea"/>
+                <a:cs typeface="+mn-cs"/>
+              </a:defRPr>
+            </a:lvl3pPr>
+            <a:lvl4pPr marL="1600200" indent="-228600" algn="l" defTabSz="914400" rtl="0" eaLnBrk="1" latinLnBrk="0" hangingPunct="1">
+              <a:lnSpc>
+                <a:spcPct val="90000"/>
+              </a:lnSpc>
+              <a:spcBef>
+                <a:spcPts val="500"/>
+              </a:spcBef>
+              <a:buFont typeface="Arial" panose="02080604020202020204" charset="0"/>
+              <a:buChar char="•"/>
+              <a:defRPr sz="1800" kern="1200">
+                <a:solidFill>
+                  <a:schemeClr val="tx1"/>
+                </a:solidFill>
+                <a:latin typeface="+mn-lt"/>
+                <a:ea typeface="+mn-ea"/>
+                <a:cs typeface="+mn-cs"/>
+              </a:defRPr>
+            </a:lvl4pPr>
+            <a:lvl5pPr marL="2057400" indent="-228600" algn="l" defTabSz="914400" rtl="0" eaLnBrk="1" latinLnBrk="0" hangingPunct="1">
+              <a:lnSpc>
+                <a:spcPct val="90000"/>
+              </a:lnSpc>
+              <a:spcBef>
+                <a:spcPts val="500"/>
+              </a:spcBef>
+              <a:buFont typeface="Arial" panose="02080604020202020204" charset="0"/>
+              <a:buChar char="•"/>
+              <a:defRPr sz="1800" kern="1200">
+                <a:solidFill>
+                  <a:schemeClr val="tx1"/>
+                </a:solidFill>
+                <a:latin typeface="+mn-lt"/>
+                <a:ea typeface="+mn-ea"/>
+                <a:cs typeface="+mn-cs"/>
+              </a:defRPr>
+            </a:lvl5pPr>
+            <a:lvl6pPr marL="2514600" indent="-228600" algn="l" defTabSz="914400" rtl="0" eaLnBrk="1" latinLnBrk="0" hangingPunct="1">
+              <a:lnSpc>
+                <a:spcPct val="90000"/>
+              </a:lnSpc>
+              <a:spcBef>
+                <a:spcPts val="500"/>
+              </a:spcBef>
+              <a:buFont typeface="Arial" panose="02080604020202020204" charset="0"/>
+              <a:buChar char="•"/>
+              <a:defRPr sz="1800" kern="1200">
+                <a:solidFill>
+                  <a:schemeClr val="tx1"/>
+                </a:solidFill>
+                <a:latin typeface="+mn-lt"/>
+                <a:ea typeface="+mn-ea"/>
+                <a:cs typeface="+mn-cs"/>
+              </a:defRPr>
+            </a:lvl6pPr>
+            <a:lvl7pPr marL="2971800" indent="-228600" algn="l" defTabSz="914400" rtl="0" eaLnBrk="1" latinLnBrk="0" hangingPunct="1">
+              <a:lnSpc>
+                <a:spcPct val="90000"/>
+              </a:lnSpc>
+              <a:spcBef>
+                <a:spcPts val="500"/>
+              </a:spcBef>
+              <a:buFont typeface="Arial" panose="02080604020202020204" charset="0"/>
+              <a:buChar char="•"/>
+              <a:defRPr sz="1800" kern="1200">
+                <a:solidFill>
+                  <a:schemeClr val="tx1"/>
+                </a:solidFill>
+                <a:latin typeface="+mn-lt"/>
+                <a:ea typeface="+mn-ea"/>
+                <a:cs typeface="+mn-cs"/>
+              </a:defRPr>
+            </a:lvl7pPr>
+            <a:lvl8pPr marL="3429000" indent="-228600" algn="l" defTabSz="914400" rtl="0" eaLnBrk="1" latinLnBrk="0" hangingPunct="1">
+              <a:lnSpc>
+                <a:spcPct val="90000"/>
+              </a:lnSpc>
+              <a:spcBef>
+                <a:spcPts val="500"/>
+              </a:spcBef>
+              <a:buFont typeface="Arial" panose="02080604020202020204" charset="0"/>
+              <a:buChar char="•"/>
+              <a:defRPr sz="1800" kern="1200">
+                <a:solidFill>
+                  <a:schemeClr val="tx1"/>
+                </a:solidFill>
+                <a:latin typeface="+mn-lt"/>
+                <a:ea typeface="+mn-ea"/>
+                <a:cs typeface="+mn-cs"/>
+              </a:defRPr>
+            </a:lvl8pPr>
+            <a:lvl9pPr marL="3886200" indent="-228600" algn="l" defTabSz="914400" rtl="0" eaLnBrk="1" latinLnBrk="0" hangingPunct="1">
+              <a:lnSpc>
+                <a:spcPct val="90000"/>
+              </a:lnSpc>
+              <a:spcBef>
+                <a:spcPts val="500"/>
+              </a:spcBef>
+              <a:buFont typeface="Arial" panose="02080604020202020204" charset="0"/>
+              <a:buChar char="•"/>
+              <a:defRPr sz="1800" kern="1200">
+                <a:solidFill>
+                  <a:schemeClr val="tx1"/>
+                </a:solidFill>
+                <a:latin typeface="+mn-lt"/>
+                <a:ea typeface="+mn-ea"/>
+                <a:cs typeface="+mn-cs"/>
+              </a:defRPr>
+            </a:lvl9pPr>
+          </a:lstStyle>
+          <a:p>
+            <a:endParaRPr lang="x-none" altLang="en-US"/>
+          </a:p>
+          <a:p>
+            <a:pPr lvl="1"/>
+            <a:endParaRPr lang="en-US"/>
+          </a:p>
+          <a:p>
+            <a:pPr lvl="1"/>
+            <a:r>
+              <a:rPr lang="en-US"/>
+              <a:t> Turing-completeness,</a:t>
+            </a:r>
+            <a:endParaRPr lang="en-US"/>
+          </a:p>
+          <a:p>
+            <a:pPr lvl="1"/>
+            <a:r>
+              <a:rPr lang="en-US"/>
+              <a:t> value-awareness</a:t>
+            </a:r>
+            <a:endParaRPr lang="en-US"/>
+          </a:p>
+          <a:p>
+            <a:pPr lvl="1"/>
+            <a:r>
+              <a:rPr lang="en-US"/>
+              <a:t> blockchain-awareness</a:t>
+            </a:r>
+            <a:endParaRPr lang="en-US"/>
+          </a:p>
+          <a:p>
+            <a:pPr lvl="1"/>
+            <a:r>
+              <a:rPr lang="en-US"/>
+              <a:t> state</a:t>
+            </a:r>
+            <a:endParaRPr lang="en-US"/>
+          </a:p>
+        </p:txBody>
+      </p:sp>
+    </p:spTree>
+  </p:cSld>
+  <p:clrMapOvr>
+    <a:masterClrMapping/>
+  </p:clrMapOvr>
+</p:sld>
+</file>
+
+<file path=ppt/slides/slide3.xml><?xml version="1.0" encoding="utf-8"?>
+<p:sld xmlns:a="http://schemas.openxmlformats.org/drawingml/2006/main" xmlns:r="http://schemas.openxmlformats.org/officeDocument/2006/relationships" xmlns:p="http://schemas.openxmlformats.org/presentationml/2006/main">
+  <p:cSld>
+    <p:spTree>
+      <p:nvGrpSpPr>
+        <p:cNvPr id="1" name=""/>
+        <p:cNvGrpSpPr/>
+        <p:nvPr/>
+      </p:nvGrpSpPr>
+      <p:grpSpPr/>
+      <p:sp>
+        <p:nvSpPr>
+          <p:cNvPr id="2" name="Title 1"/>
+          <p:cNvSpPr>
+            <a:spLocks noGrp="1"/>
+          </p:cNvSpPr>
+          <p:nvPr>
+            <p:ph type="title"/>
+          </p:nvPr>
+        </p:nvSpPr>
         <p:spPr/>
         <p:txBody>
           <a:bodyPr/>
           <a:p>
+            <a:pPr algn="ctr"/>
+            <a:r>
+              <a:rPr lang="x-none" altLang="en-US"/>
+              <a:t>programming language</a:t>
+            </a:r>
+            <a:endParaRPr lang="x-none" altLang="en-US"/>
+          </a:p>
+        </p:txBody>
+      </p:sp>
+      <p:sp>
+        <p:nvSpPr>
+          <p:cNvPr id="3" name="Content Placeholder 2"/>
+          <p:cNvSpPr>
+            <a:spLocks noGrp="1"/>
+          </p:cNvSpPr>
+          <p:nvPr>
+            <p:ph idx="1"/>
+          </p:nvPr>
+        </p:nvSpPr>
+        <p:spPr>
+          <a:xfrm>
+            <a:off x="3861435" y="2016760"/>
+            <a:ext cx="2532380" cy="1193800"/>
+          </a:xfrm>
+        </p:spPr>
+        <p:txBody>
+          <a:bodyPr/>
+          <a:p>
+            <a:r>
+              <a:rPr lang="x-none" altLang="en-US"/>
+              <a:t> </a:t>
+            </a:r>
+            <a:r>
+              <a:rPr lang="x-none" altLang="en-US">
+                <a:solidFill>
+                  <a:srgbClr val="FF0000"/>
+                </a:solidFill>
+              </a:rPr>
+              <a:t>solidity</a:t>
+            </a:r>
+            <a:endParaRPr lang="x-none" altLang="en-US">
+              <a:solidFill>
+                <a:srgbClr val="FF0000"/>
+              </a:solidFill>
+            </a:endParaRPr>
+          </a:p>
+        </p:txBody>
+      </p:sp>
+      <p:sp>
+        <p:nvSpPr>
+          <p:cNvPr id="4" name="Content Placeholder 2"/>
+          <p:cNvSpPr>
+            <a:spLocks noGrp="1"/>
+          </p:cNvSpPr>
+          <p:nvPr/>
+        </p:nvSpPr>
+        <p:spPr>
+          <a:xfrm>
+            <a:off x="4744085" y="2930525"/>
+            <a:ext cx="2160270" cy="918845"/>
+          </a:xfrm>
+          <a:prstGeom prst="rect">
+            <a:avLst/>
+          </a:prstGeom>
+        </p:spPr>
+        <p:txBody>
+          <a:bodyPr vert="horz" lIns="91440" tIns="45720" rIns="91440" bIns="45720" rtlCol="0">
+            <a:normAutofit/>
+          </a:bodyPr>
+          <a:lstStyle>
+            <a:lvl1pPr marL="228600" indent="-228600" algn="l" defTabSz="914400" rtl="0" eaLnBrk="1" latinLnBrk="0" hangingPunct="1">
+              <a:lnSpc>
+                <a:spcPct val="90000"/>
+              </a:lnSpc>
+              <a:spcBef>
+                <a:spcPts val="1000"/>
+              </a:spcBef>
+              <a:buFont typeface="Arial" panose="02080604020202020204" charset="0"/>
+              <a:buChar char="•"/>
+              <a:defRPr sz="2800" kern="1200">
+                <a:solidFill>
+                  <a:schemeClr val="tx1"/>
+                </a:solidFill>
+                <a:latin typeface="+mn-lt"/>
+                <a:ea typeface="+mn-ea"/>
+                <a:cs typeface="+mn-cs"/>
+              </a:defRPr>
+            </a:lvl1pPr>
+            <a:lvl2pPr marL="685800" indent="-228600" algn="l" defTabSz="914400" rtl="0" eaLnBrk="1" latinLnBrk="0" hangingPunct="1">
+              <a:lnSpc>
+                <a:spcPct val="90000"/>
+              </a:lnSpc>
+              <a:spcBef>
+                <a:spcPts val="500"/>
+              </a:spcBef>
+              <a:buFont typeface="Arial" panose="02080604020202020204" charset="0"/>
+              <a:buChar char="•"/>
+              <a:defRPr sz="2400" kern="1200">
+                <a:solidFill>
+                  <a:schemeClr val="tx1"/>
+                </a:solidFill>
+                <a:latin typeface="+mn-lt"/>
+                <a:ea typeface="+mn-ea"/>
+                <a:cs typeface="+mn-cs"/>
+              </a:defRPr>
+            </a:lvl2pPr>
+            <a:lvl3pPr marL="1143000" indent="-228600" algn="l" defTabSz="914400" rtl="0" eaLnBrk="1" latinLnBrk="0" hangingPunct="1">
+              <a:lnSpc>
+                <a:spcPct val="90000"/>
+              </a:lnSpc>
+              <a:spcBef>
+                <a:spcPts val="500"/>
+              </a:spcBef>
+              <a:buFont typeface="Arial" panose="02080604020202020204" charset="0"/>
+              <a:buChar char="•"/>
+              <a:defRPr sz="2000" kern="1200">
+                <a:solidFill>
+                  <a:schemeClr val="tx1"/>
+                </a:solidFill>
+                <a:latin typeface="+mn-lt"/>
+                <a:ea typeface="+mn-ea"/>
+                <a:cs typeface="+mn-cs"/>
+              </a:defRPr>
+            </a:lvl3pPr>
+            <a:lvl4pPr marL="1600200" indent="-228600" algn="l" defTabSz="914400" rtl="0" eaLnBrk="1" latinLnBrk="0" hangingPunct="1">
+              <a:lnSpc>
+                <a:spcPct val="90000"/>
+              </a:lnSpc>
+              <a:spcBef>
+                <a:spcPts val="500"/>
+              </a:spcBef>
+              <a:buFont typeface="Arial" panose="02080604020202020204" charset="0"/>
+              <a:buChar char="•"/>
+              <a:defRPr sz="1800" kern="1200">
+                <a:solidFill>
+                  <a:schemeClr val="tx1"/>
+                </a:solidFill>
+                <a:latin typeface="+mn-lt"/>
+                <a:ea typeface="+mn-ea"/>
+                <a:cs typeface="+mn-cs"/>
+              </a:defRPr>
+            </a:lvl4pPr>
+            <a:lvl5pPr marL="2057400" indent="-228600" algn="l" defTabSz="914400" rtl="0" eaLnBrk="1" latinLnBrk="0" hangingPunct="1">
+              <a:lnSpc>
+                <a:spcPct val="90000"/>
+              </a:lnSpc>
+              <a:spcBef>
+                <a:spcPts val="500"/>
+              </a:spcBef>
+              <a:buFont typeface="Arial" panose="02080604020202020204" charset="0"/>
+              <a:buChar char="•"/>
+              <a:defRPr sz="1800" kern="1200">
+                <a:solidFill>
+                  <a:schemeClr val="tx1"/>
+                </a:solidFill>
+                <a:latin typeface="+mn-lt"/>
+                <a:ea typeface="+mn-ea"/>
+                <a:cs typeface="+mn-cs"/>
+              </a:defRPr>
+            </a:lvl5pPr>
+            <a:lvl6pPr marL="2514600" indent="-228600" algn="l" defTabSz="914400" rtl="0" eaLnBrk="1" latinLnBrk="0" hangingPunct="1">
+              <a:lnSpc>
+                <a:spcPct val="90000"/>
+              </a:lnSpc>
+              <a:spcBef>
+                <a:spcPts val="500"/>
+              </a:spcBef>
+              <a:buFont typeface="Arial" panose="02080604020202020204" charset="0"/>
+              <a:buChar char="•"/>
+              <a:defRPr sz="1800" kern="1200">
+                <a:solidFill>
+                  <a:schemeClr val="tx1"/>
+                </a:solidFill>
+                <a:latin typeface="+mn-lt"/>
+                <a:ea typeface="+mn-ea"/>
+                <a:cs typeface="+mn-cs"/>
+              </a:defRPr>
+            </a:lvl6pPr>
+            <a:lvl7pPr marL="2971800" indent="-228600" algn="l" defTabSz="914400" rtl="0" eaLnBrk="1" latinLnBrk="0" hangingPunct="1">
+              <a:lnSpc>
+                <a:spcPct val="90000"/>
+              </a:lnSpc>
+              <a:spcBef>
+                <a:spcPts val="500"/>
+              </a:spcBef>
+              <a:buFont typeface="Arial" panose="02080604020202020204" charset="0"/>
+              <a:buChar char="•"/>
+              <a:defRPr sz="1800" kern="1200">
+                <a:solidFill>
+                  <a:schemeClr val="tx1"/>
+                </a:solidFill>
+                <a:latin typeface="+mn-lt"/>
+                <a:ea typeface="+mn-ea"/>
+                <a:cs typeface="+mn-cs"/>
+              </a:defRPr>
+            </a:lvl7pPr>
+            <a:lvl8pPr marL="3429000" indent="-228600" algn="l" defTabSz="914400" rtl="0" eaLnBrk="1" latinLnBrk="0" hangingPunct="1">
+              <a:lnSpc>
+                <a:spcPct val="90000"/>
+              </a:lnSpc>
+              <a:spcBef>
+                <a:spcPts val="500"/>
+              </a:spcBef>
+              <a:buFont typeface="Arial" panose="02080604020202020204" charset="0"/>
+              <a:buChar char="•"/>
+              <a:defRPr sz="1800" kern="1200">
+                <a:solidFill>
+                  <a:schemeClr val="tx1"/>
+                </a:solidFill>
+                <a:latin typeface="+mn-lt"/>
+                <a:ea typeface="+mn-ea"/>
+                <a:cs typeface="+mn-cs"/>
+              </a:defRPr>
+            </a:lvl8pPr>
+            <a:lvl9pPr marL="3886200" indent="-228600" algn="l" defTabSz="914400" rtl="0" eaLnBrk="1" latinLnBrk="0" hangingPunct="1">
+              <a:lnSpc>
+                <a:spcPct val="90000"/>
+              </a:lnSpc>
+              <a:spcBef>
+                <a:spcPts val="500"/>
+              </a:spcBef>
+              <a:buFont typeface="Arial" panose="02080604020202020204" charset="0"/>
+              <a:buChar char="•"/>
+              <a:defRPr sz="1800" kern="1200">
+                <a:solidFill>
+                  <a:schemeClr val="tx1"/>
+                </a:solidFill>
+                <a:latin typeface="+mn-lt"/>
+                <a:ea typeface="+mn-ea"/>
+                <a:cs typeface="+mn-cs"/>
+              </a:defRPr>
+            </a:lvl9pPr>
+          </a:lstStyle>
+          <a:p>
+            <a:r>
+              <a:rPr lang="x-none" altLang="en-US"/>
+              <a:t> LLL</a:t>
+            </a:r>
+            <a:endParaRPr lang="x-none" altLang="en-US"/>
+          </a:p>
+        </p:txBody>
+      </p:sp>
+      <p:sp>
+        <p:nvSpPr>
+          <p:cNvPr id="5" name="Content Placeholder 2"/>
+          <p:cNvSpPr>
+            <a:spLocks noGrp="1"/>
+          </p:cNvSpPr>
+          <p:nvPr/>
+        </p:nvSpPr>
+        <p:spPr>
+          <a:xfrm>
+            <a:off x="6598920" y="4773295"/>
+            <a:ext cx="2101215" cy="939165"/>
+          </a:xfrm>
+          <a:prstGeom prst="rect">
+            <a:avLst/>
+          </a:prstGeom>
+        </p:spPr>
+        <p:txBody>
+          <a:bodyPr vert="horz" lIns="91440" tIns="45720" rIns="91440" bIns="45720" rtlCol="0">
+            <a:normAutofit/>
+          </a:bodyPr>
+          <a:lstStyle>
+            <a:lvl1pPr marL="228600" indent="-228600" algn="l" defTabSz="914400" rtl="0" eaLnBrk="1" latinLnBrk="0" hangingPunct="1">
+              <a:lnSpc>
+                <a:spcPct val="90000"/>
+              </a:lnSpc>
+              <a:spcBef>
+                <a:spcPts val="1000"/>
+              </a:spcBef>
+              <a:buFont typeface="Arial" panose="02080604020202020204" charset="0"/>
+              <a:buChar char="•"/>
+              <a:defRPr sz="2800" kern="1200">
+                <a:solidFill>
+                  <a:schemeClr val="tx1"/>
+                </a:solidFill>
+                <a:latin typeface="+mn-lt"/>
+                <a:ea typeface="+mn-ea"/>
+                <a:cs typeface="+mn-cs"/>
+              </a:defRPr>
+            </a:lvl1pPr>
+            <a:lvl2pPr marL="685800" indent="-228600" algn="l" defTabSz="914400" rtl="0" eaLnBrk="1" latinLnBrk="0" hangingPunct="1">
+              <a:lnSpc>
+                <a:spcPct val="90000"/>
+              </a:lnSpc>
+              <a:spcBef>
+                <a:spcPts val="500"/>
+              </a:spcBef>
+              <a:buFont typeface="Arial" panose="02080604020202020204" charset="0"/>
+              <a:buChar char="•"/>
+              <a:defRPr sz="2400" kern="1200">
+                <a:solidFill>
+                  <a:schemeClr val="tx1"/>
+                </a:solidFill>
+                <a:latin typeface="+mn-lt"/>
+                <a:ea typeface="+mn-ea"/>
+                <a:cs typeface="+mn-cs"/>
+              </a:defRPr>
+            </a:lvl2pPr>
+            <a:lvl3pPr marL="1143000" indent="-228600" algn="l" defTabSz="914400" rtl="0" eaLnBrk="1" latinLnBrk="0" hangingPunct="1">
+              <a:lnSpc>
+                <a:spcPct val="90000"/>
+              </a:lnSpc>
+              <a:spcBef>
+                <a:spcPts val="500"/>
+              </a:spcBef>
+              <a:buFont typeface="Arial" panose="02080604020202020204" charset="0"/>
+              <a:buChar char="•"/>
+              <a:defRPr sz="2000" kern="1200">
+                <a:solidFill>
+                  <a:schemeClr val="tx1"/>
+                </a:solidFill>
+                <a:latin typeface="+mn-lt"/>
+                <a:ea typeface="+mn-ea"/>
+                <a:cs typeface="+mn-cs"/>
+              </a:defRPr>
+            </a:lvl3pPr>
+            <a:lvl4pPr marL="1600200" indent="-228600" algn="l" defTabSz="914400" rtl="0" eaLnBrk="1" latinLnBrk="0" hangingPunct="1">
+              <a:lnSpc>
+                <a:spcPct val="90000"/>
+              </a:lnSpc>
+              <a:spcBef>
+                <a:spcPts val="500"/>
+              </a:spcBef>
+              <a:buFont typeface="Arial" panose="02080604020202020204" charset="0"/>
+              <a:buChar char="•"/>
+              <a:defRPr sz="1800" kern="1200">
+                <a:solidFill>
+                  <a:schemeClr val="tx1"/>
+                </a:solidFill>
+                <a:latin typeface="+mn-lt"/>
+                <a:ea typeface="+mn-ea"/>
+                <a:cs typeface="+mn-cs"/>
+              </a:defRPr>
+            </a:lvl4pPr>
+            <a:lvl5pPr marL="2057400" indent="-228600" algn="l" defTabSz="914400" rtl="0" eaLnBrk="1" latinLnBrk="0" hangingPunct="1">
+              <a:lnSpc>
+                <a:spcPct val="90000"/>
+              </a:lnSpc>
+              <a:spcBef>
+                <a:spcPts val="500"/>
+              </a:spcBef>
+              <a:buFont typeface="Arial" panose="02080604020202020204" charset="0"/>
+              <a:buChar char="•"/>
+              <a:defRPr sz="1800" kern="1200">
+                <a:solidFill>
+                  <a:schemeClr val="tx1"/>
+                </a:solidFill>
+                <a:latin typeface="+mn-lt"/>
+                <a:ea typeface="+mn-ea"/>
+                <a:cs typeface="+mn-cs"/>
+              </a:defRPr>
+            </a:lvl5pPr>
+            <a:lvl6pPr marL="2514600" indent="-228600" algn="l" defTabSz="914400" rtl="0" eaLnBrk="1" latinLnBrk="0" hangingPunct="1">
+              <a:lnSpc>
+                <a:spcPct val="90000"/>
+              </a:lnSpc>
+              <a:spcBef>
+                <a:spcPts val="500"/>
+              </a:spcBef>
+              <a:buFont typeface="Arial" panose="02080604020202020204" charset="0"/>
+              <a:buChar char="•"/>
+              <a:defRPr sz="1800" kern="1200">
+                <a:solidFill>
+                  <a:schemeClr val="tx1"/>
+                </a:solidFill>
+                <a:latin typeface="+mn-lt"/>
+                <a:ea typeface="+mn-ea"/>
+                <a:cs typeface="+mn-cs"/>
+              </a:defRPr>
+            </a:lvl6pPr>
+            <a:lvl7pPr marL="2971800" indent="-228600" algn="l" defTabSz="914400" rtl="0" eaLnBrk="1" latinLnBrk="0" hangingPunct="1">
+              <a:lnSpc>
+                <a:spcPct val="90000"/>
+              </a:lnSpc>
+              <a:spcBef>
+                <a:spcPts val="500"/>
+              </a:spcBef>
+              <a:buFont typeface="Arial" panose="02080604020202020204" charset="0"/>
+              <a:buChar char="•"/>
+              <a:defRPr sz="1800" kern="1200">
+                <a:solidFill>
+                  <a:schemeClr val="tx1"/>
+                </a:solidFill>
+                <a:latin typeface="+mn-lt"/>
+                <a:ea typeface="+mn-ea"/>
+                <a:cs typeface="+mn-cs"/>
+              </a:defRPr>
+            </a:lvl7pPr>
+            <a:lvl8pPr marL="3429000" indent="-228600" algn="l" defTabSz="914400" rtl="0" eaLnBrk="1" latinLnBrk="0" hangingPunct="1">
+              <a:lnSpc>
+                <a:spcPct val="90000"/>
+              </a:lnSpc>
+              <a:spcBef>
+                <a:spcPts val="500"/>
+              </a:spcBef>
+              <a:buFont typeface="Arial" panose="02080604020202020204" charset="0"/>
+              <a:buChar char="•"/>
+              <a:defRPr sz="1800" kern="1200">
+                <a:solidFill>
+                  <a:schemeClr val="tx1"/>
+                </a:solidFill>
+                <a:latin typeface="+mn-lt"/>
+                <a:ea typeface="+mn-ea"/>
+                <a:cs typeface="+mn-cs"/>
+              </a:defRPr>
+            </a:lvl8pPr>
+            <a:lvl9pPr marL="3886200" indent="-228600" algn="l" defTabSz="914400" rtl="0" eaLnBrk="1" latinLnBrk="0" hangingPunct="1">
+              <a:lnSpc>
+                <a:spcPct val="90000"/>
+              </a:lnSpc>
+              <a:spcBef>
+                <a:spcPts val="500"/>
+              </a:spcBef>
+              <a:buFont typeface="Arial" panose="02080604020202020204" charset="0"/>
+              <a:buChar char="•"/>
+              <a:defRPr sz="1800" kern="1200">
+                <a:solidFill>
+                  <a:schemeClr val="tx1"/>
+                </a:solidFill>
+                <a:latin typeface="+mn-lt"/>
+                <a:ea typeface="+mn-ea"/>
+                <a:cs typeface="+mn-cs"/>
+              </a:defRPr>
+            </a:lvl9pPr>
+          </a:lstStyle>
+          <a:p>
+            <a:r>
+              <a:rPr lang="x-none" altLang="en-US"/>
+              <a:t>serpent</a:t>
+            </a:r>
+            <a:endParaRPr lang="x-none" altLang="en-US"/>
+          </a:p>
+        </p:txBody>
+      </p:sp>
+      <p:sp>
+        <p:nvSpPr>
+          <p:cNvPr id="6" name="Content Placeholder 2"/>
+          <p:cNvSpPr>
+            <a:spLocks noGrp="1"/>
+          </p:cNvSpPr>
+          <p:nvPr/>
+        </p:nvSpPr>
+        <p:spPr>
+          <a:xfrm>
+            <a:off x="5635625" y="3891915"/>
+            <a:ext cx="2081530" cy="752475"/>
+          </a:xfrm>
+          <a:prstGeom prst="rect">
+            <a:avLst/>
+          </a:prstGeom>
+        </p:spPr>
+        <p:txBody>
+          <a:bodyPr vert="horz" lIns="91440" tIns="45720" rIns="91440" bIns="45720" rtlCol="0">
+            <a:normAutofit/>
+          </a:bodyPr>
+          <a:lstStyle>
+            <a:lvl1pPr marL="228600" indent="-228600" algn="l" defTabSz="914400" rtl="0" eaLnBrk="1" latinLnBrk="0" hangingPunct="1">
+              <a:lnSpc>
+                <a:spcPct val="90000"/>
+              </a:lnSpc>
+              <a:spcBef>
+                <a:spcPts val="1000"/>
+              </a:spcBef>
+              <a:buFont typeface="Arial" panose="02080604020202020204" charset="0"/>
+              <a:buChar char="•"/>
+              <a:defRPr sz="2800" kern="1200">
+                <a:solidFill>
+                  <a:schemeClr val="tx1"/>
+                </a:solidFill>
+                <a:latin typeface="+mn-lt"/>
+                <a:ea typeface="+mn-ea"/>
+                <a:cs typeface="+mn-cs"/>
+              </a:defRPr>
+            </a:lvl1pPr>
+            <a:lvl2pPr marL="685800" indent="-228600" algn="l" defTabSz="914400" rtl="0" eaLnBrk="1" latinLnBrk="0" hangingPunct="1">
+              <a:lnSpc>
+                <a:spcPct val="90000"/>
+              </a:lnSpc>
+              <a:spcBef>
+                <a:spcPts val="500"/>
+              </a:spcBef>
+              <a:buFont typeface="Arial" panose="02080604020202020204" charset="0"/>
+              <a:buChar char="•"/>
+              <a:defRPr sz="2400" kern="1200">
+                <a:solidFill>
+                  <a:schemeClr val="tx1"/>
+                </a:solidFill>
+                <a:latin typeface="+mn-lt"/>
+                <a:ea typeface="+mn-ea"/>
+                <a:cs typeface="+mn-cs"/>
+              </a:defRPr>
+            </a:lvl2pPr>
+            <a:lvl3pPr marL="1143000" indent="-228600" algn="l" defTabSz="914400" rtl="0" eaLnBrk="1" latinLnBrk="0" hangingPunct="1">
+              <a:lnSpc>
+                <a:spcPct val="90000"/>
+              </a:lnSpc>
+              <a:spcBef>
+                <a:spcPts val="500"/>
+              </a:spcBef>
+              <a:buFont typeface="Arial" panose="02080604020202020204" charset="0"/>
+              <a:buChar char="•"/>
+              <a:defRPr sz="2000" kern="1200">
+                <a:solidFill>
+                  <a:schemeClr val="tx1"/>
+                </a:solidFill>
+                <a:latin typeface="+mn-lt"/>
+                <a:ea typeface="+mn-ea"/>
+                <a:cs typeface="+mn-cs"/>
+              </a:defRPr>
+            </a:lvl3pPr>
+            <a:lvl4pPr marL="1600200" indent="-228600" algn="l" defTabSz="914400" rtl="0" eaLnBrk="1" latinLnBrk="0" hangingPunct="1">
+              <a:lnSpc>
+                <a:spcPct val="90000"/>
+              </a:lnSpc>
+              <a:spcBef>
+                <a:spcPts val="500"/>
+              </a:spcBef>
+              <a:buFont typeface="Arial" panose="02080604020202020204" charset="0"/>
+              <a:buChar char="•"/>
+              <a:defRPr sz="1800" kern="1200">
+                <a:solidFill>
+                  <a:schemeClr val="tx1"/>
+                </a:solidFill>
+                <a:latin typeface="+mn-lt"/>
+                <a:ea typeface="+mn-ea"/>
+                <a:cs typeface="+mn-cs"/>
+              </a:defRPr>
+            </a:lvl4pPr>
+            <a:lvl5pPr marL="2057400" indent="-228600" algn="l" defTabSz="914400" rtl="0" eaLnBrk="1" latinLnBrk="0" hangingPunct="1">
+              <a:lnSpc>
+                <a:spcPct val="90000"/>
+              </a:lnSpc>
+              <a:spcBef>
+                <a:spcPts val="500"/>
+              </a:spcBef>
+              <a:buFont typeface="Arial" panose="02080604020202020204" charset="0"/>
+              <a:buChar char="•"/>
+              <a:defRPr sz="1800" kern="1200">
+                <a:solidFill>
+                  <a:schemeClr val="tx1"/>
+                </a:solidFill>
+                <a:latin typeface="+mn-lt"/>
+                <a:ea typeface="+mn-ea"/>
+                <a:cs typeface="+mn-cs"/>
+              </a:defRPr>
+            </a:lvl5pPr>
+            <a:lvl6pPr marL="2514600" indent="-228600" algn="l" defTabSz="914400" rtl="0" eaLnBrk="1" latinLnBrk="0" hangingPunct="1">
+              <a:lnSpc>
+                <a:spcPct val="90000"/>
+              </a:lnSpc>
+              <a:spcBef>
+                <a:spcPts val="500"/>
+              </a:spcBef>
+              <a:buFont typeface="Arial" panose="02080604020202020204" charset="0"/>
+              <a:buChar char="•"/>
+              <a:defRPr sz="1800" kern="1200">
+                <a:solidFill>
+                  <a:schemeClr val="tx1"/>
+                </a:solidFill>
+                <a:latin typeface="+mn-lt"/>
+                <a:ea typeface="+mn-ea"/>
+                <a:cs typeface="+mn-cs"/>
+              </a:defRPr>
+            </a:lvl6pPr>
+            <a:lvl7pPr marL="2971800" indent="-228600" algn="l" defTabSz="914400" rtl="0" eaLnBrk="1" latinLnBrk="0" hangingPunct="1">
+              <a:lnSpc>
+                <a:spcPct val="90000"/>
+              </a:lnSpc>
+              <a:spcBef>
+                <a:spcPts val="500"/>
+              </a:spcBef>
+              <a:buFont typeface="Arial" panose="02080604020202020204" charset="0"/>
+              <a:buChar char="•"/>
+              <a:defRPr sz="1800" kern="1200">
+                <a:solidFill>
+                  <a:schemeClr val="tx1"/>
+                </a:solidFill>
+                <a:latin typeface="+mn-lt"/>
+                <a:ea typeface="+mn-ea"/>
+                <a:cs typeface="+mn-cs"/>
+              </a:defRPr>
+            </a:lvl7pPr>
+            <a:lvl8pPr marL="3429000" indent="-228600" algn="l" defTabSz="914400" rtl="0" eaLnBrk="1" latinLnBrk="0" hangingPunct="1">
+              <a:lnSpc>
+                <a:spcPct val="90000"/>
+              </a:lnSpc>
+              <a:spcBef>
+                <a:spcPts val="500"/>
+              </a:spcBef>
+              <a:buFont typeface="Arial" panose="02080604020202020204" charset="0"/>
+              <a:buChar char="•"/>
+              <a:defRPr sz="1800" kern="1200">
+                <a:solidFill>
+                  <a:schemeClr val="tx1"/>
+                </a:solidFill>
+                <a:latin typeface="+mn-lt"/>
+                <a:ea typeface="+mn-ea"/>
+                <a:cs typeface="+mn-cs"/>
+              </a:defRPr>
+            </a:lvl8pPr>
+            <a:lvl9pPr marL="3886200" indent="-228600" algn="l" defTabSz="914400" rtl="0" eaLnBrk="1" latinLnBrk="0" hangingPunct="1">
+              <a:lnSpc>
+                <a:spcPct val="90000"/>
+              </a:lnSpc>
+              <a:spcBef>
+                <a:spcPts val="500"/>
+              </a:spcBef>
+              <a:buFont typeface="Arial" panose="02080604020202020204" charset="0"/>
+              <a:buChar char="•"/>
+              <a:defRPr sz="1800" kern="1200">
+                <a:solidFill>
+                  <a:schemeClr val="tx1"/>
+                </a:solidFill>
+                <a:latin typeface="+mn-lt"/>
+                <a:ea typeface="+mn-ea"/>
+                <a:cs typeface="+mn-cs"/>
+              </a:defRPr>
+            </a:lvl9pPr>
+          </a:lstStyle>
+          <a:p>
+            <a:r>
+              <a:rPr lang="x-none" altLang="en-US"/>
+              <a:t>Viper</a:t>
+            </a:r>
+            <a:endParaRPr lang="x-none" altLang="en-US"/>
+          </a:p>
+        </p:txBody>
+      </p:sp>
+    </p:spTree>
+  </p:cSld>
+  <p:clrMapOvr>
+    <a:masterClrMapping/>
+  </p:clrMapOvr>
+</p:sld>
+</file>
+
+<file path=ppt/slides/slide4.xml><?xml version="1.0" encoding="utf-8"?>
+<p:sld xmlns:a="http://schemas.openxmlformats.org/drawingml/2006/main" xmlns:r="http://schemas.openxmlformats.org/officeDocument/2006/relationships" xmlns:p="http://schemas.openxmlformats.org/presentationml/2006/main">
+  <p:cSld>
+    <p:spTree>
+      <p:nvGrpSpPr>
+        <p:cNvPr id="1" name=""/>
+        <p:cNvGrpSpPr/>
+        <p:nvPr/>
+      </p:nvGrpSpPr>
+      <p:grpSpPr/>
+      <p:sp>
+        <p:nvSpPr>
+          <p:cNvPr id="2" name="Title 1"/>
+          <p:cNvSpPr>
+            <a:spLocks noGrp="1"/>
+          </p:cNvSpPr>
+          <p:nvPr>
+            <p:ph type="title"/>
+          </p:nvPr>
+        </p:nvSpPr>
+        <p:spPr/>
+        <p:txBody>
+          <a:bodyPr/>
+          <a:p>
+            <a:pPr algn="ctr"/>
+            <a:r>
+              <a:rPr lang="x-none" altLang="en-US"/>
+              <a:t>simple smart contract</a:t>
+            </a:r>
+            <a:endParaRPr lang="x-none" altLang="en-US"/>
+          </a:p>
+        </p:txBody>
+      </p:sp>
+      <p:sp>
+        <p:nvSpPr>
+          <p:cNvPr id="3" name="Content Placeholder 2"/>
+          <p:cNvSpPr>
+            <a:spLocks noGrp="1"/>
+          </p:cNvSpPr>
+          <p:nvPr>
+            <p:ph idx="1"/>
+          </p:nvPr>
+        </p:nvSpPr>
+        <p:spPr>
+          <a:xfrm>
+            <a:off x="1388110" y="2386330"/>
+            <a:ext cx="2679700" cy="2409825"/>
+          </a:xfrm>
+        </p:spPr>
+        <p:txBody>
+          <a:bodyPr>
+            <a:normAutofit lnSpcReduction="10000"/>
+          </a:bodyPr>
+          <a:p>
+            <a:r>
+              <a:rPr lang="x-none" altLang="en-US"/>
+              <a:t>pragma</a:t>
+            </a:r>
+            <a:endParaRPr lang="x-none" altLang="en-US"/>
+          </a:p>
+          <a:p>
+            <a:r>
+              <a:rPr lang="x-none" altLang="en-US"/>
+              <a:t>contract</a:t>
+            </a:r>
+            <a:endParaRPr lang="x-none" altLang="en-US"/>
+          </a:p>
+          <a:p>
+            <a:r>
+              <a:rPr lang="x-none" altLang="en-US"/>
+              <a:t>uint</a:t>
+            </a:r>
+            <a:endParaRPr lang="x-none" altLang="en-US"/>
+          </a:p>
+          <a:p>
+            <a:r>
+              <a:rPr lang="x-none" altLang="en-US"/>
+              <a:t>function</a:t>
+            </a:r>
+            <a:endParaRPr lang="x-none" altLang="en-US"/>
+          </a:p>
+          <a:p>
+            <a:r>
+              <a:rPr lang="x-none" altLang="en-US"/>
+              <a:t>storage</a:t>
+            </a:r>
+            <a:endParaRPr lang="x-none" altLang="en-US"/>
+          </a:p>
+        </p:txBody>
+      </p:sp>
+      <p:sp>
+        <p:nvSpPr>
+          <p:cNvPr id="4" name="Text Box 3"/>
+          <p:cNvSpPr txBox="1"/>
+          <p:nvPr/>
+        </p:nvSpPr>
+        <p:spPr>
+          <a:xfrm>
+            <a:off x="5741035" y="1741170"/>
+            <a:ext cx="5060315" cy="3657600"/>
+          </a:xfrm>
+          <a:prstGeom prst="rect">
+            <a:avLst/>
+          </a:prstGeom>
+          <a:noFill/>
+        </p:spPr>
+        <p:txBody>
+          <a:bodyPr wrap="square" rtlCol="0">
+            <a:spAutoFit/>
+          </a:bodyPr>
+          <a:p>
+            <a:r>
+              <a:rPr lang="en-US"/>
+              <a:t>pragma solidity ^0.4.0;</a:t>
+            </a:r>
+            <a:endParaRPr lang="en-US"/>
+          </a:p>
+          <a:p>
+            <a:endParaRPr lang="en-US"/>
+          </a:p>
+          <a:p>
+            <a:r>
+              <a:rPr lang="en-US"/>
+              <a:t>contract SimpleStorage {</a:t>
+            </a:r>
+            <a:endParaRPr lang="en-US"/>
+          </a:p>
+          <a:p>
+            <a:r>
+              <a:rPr lang="en-US"/>
+              <a:t>    uint storedData;</a:t>
+            </a:r>
+            <a:endParaRPr lang="en-US"/>
+          </a:p>
+          <a:p>
+            <a:endParaRPr lang="en-US"/>
+          </a:p>
+          <a:p>
+            <a:r>
+              <a:rPr lang="en-US"/>
+              <a:t>    function set(uint x) {</a:t>
+            </a:r>
+            <a:endParaRPr lang="en-US"/>
+          </a:p>
+          <a:p>
+            <a:r>
+              <a:rPr lang="en-US"/>
+              <a:t>        storedData = x;</a:t>
+            </a:r>
+            <a:endParaRPr lang="en-US"/>
+          </a:p>
+          <a:p>
+            <a:r>
+              <a:rPr lang="en-US"/>
+              <a:t>    }</a:t>
+            </a:r>
+            <a:endParaRPr lang="en-US"/>
+          </a:p>
+          <a:p>
+            <a:endParaRPr lang="en-US"/>
+          </a:p>
+          <a:p>
+            <a:r>
+              <a:rPr lang="en-US"/>
+              <a:t>    function get() constant returns (uint) {</a:t>
+            </a:r>
+            <a:endParaRPr lang="en-US"/>
+          </a:p>
+          <a:p>
+            <a:r>
+              <a:rPr lang="en-US"/>
+              <a:t>        return storedData;</a:t>
+            </a:r>
+            <a:endParaRPr lang="en-US"/>
+          </a:p>
+          <a:p>
+            <a:r>
+              <a:rPr lang="en-US"/>
+              <a:t>    }</a:t>
+            </a:r>
+            <a:endParaRPr lang="en-US"/>
+          </a:p>
+          <a:p>
+            <a:r>
+              <a:rPr lang="en-US"/>
+              <a:t>}</a:t>
+            </a:r>
             <a:endParaRPr lang="en-US"/>
           </a:p>
         </p:txBody>
